--- a/src/positive_ai/templates/2024_09 Positive_AI_Flyer membres-template-fr.pptx
+++ b/src/positive_ai/templates/2024_09 Positive_AI_Flyer membres-template-fr.pptx
@@ -3585,7 +3585,7 @@
         </p:nvSpPr>
         <p:spPr>
           <a:xfrm>
-            <a:off x="896938" y="7451765"/>
+            <a:off x="896938" y="7437901"/>
             <a:ext cx="2493962" cy="847644"/>
           </a:xfrm>
         </p:spPr>
@@ -4238,7 +4238,7 @@
         </p:blipFill>
         <p:spPr>
           <a:xfrm>
-            <a:off x="685587" y="9526122"/>
+            <a:off x="685587" y="9510080"/>
             <a:ext cx="3542398" cy="364814"/>
           </a:xfrm>
           <a:prstGeom prst="rect">
@@ -5894,7 +5894,7 @@
           </p:blipFill>
           <p:spPr>
             <a:xfrm>
-              <a:off x="2425642" y="5084497"/>
+              <a:off x="2503132" y="5099995"/>
               <a:ext cx="1048452" cy="215436"/>
             </a:xfrm>
             <a:prstGeom prst="rect">
@@ -11688,6 +11688,15 @@
 </file>
 
 <file path=customXml/item1.xml><?xml version="1.0" encoding="utf-8"?>
+<?mso-contentType ?>
+<FormTemplates xmlns="http://schemas.microsoft.com/sharepoint/v3/contenttype/forms">
+  <Display>DocumentLibraryForm</Display>
+  <Edit>DocumentLibraryForm</Edit>
+  <New>DocumentLibraryForm</New>
+</FormTemplates>
+</file>
+
+<file path=customXml/item2.xml><?xml version="1.0" encoding="utf-8"?>
 <ct:contentTypeSchema xmlns:ct="http://schemas.microsoft.com/office/2006/metadata/contentType" xmlns:ma="http://schemas.microsoft.com/office/2006/metadata/properties/metaAttributes" ct:_="" ma:_="" ma:contentTypeName="Document" ma:contentTypeID="0x010100490BF6B51F63EE41A96DA163641716A5" ma:contentTypeVersion="11" ma:contentTypeDescription="Create a new document." ma:contentTypeScope="" ma:versionID="bf21e8edb6cae8a621d1e5b82fdced7d">
   <xsd:schema xmlns:xsd="http://www.w3.org/2001/XMLSchema" xmlns:xs="http://www.w3.org/2001/XMLSchema" xmlns:p="http://schemas.microsoft.com/office/2006/metadata/properties" xmlns:ns2="0f937a4f-4629-4d26-8d71-4343fa9fa6b0" xmlns:ns3="a7e03b19-6c30-4af5-9dfc-5af07ce1db2d" targetNamespace="http://schemas.microsoft.com/office/2006/metadata/properties" ma:root="true" ma:fieldsID="b1bb2631e5b9daedf0aa34ce2a3a469c" ns2:_="" ns3:_="">
     <xsd:import namespace="0f937a4f-4629-4d26-8d71-4343fa9fa6b0"/>
@@ -11882,15 +11891,6 @@
 </ct:contentTypeSchema>
 </file>
 
-<file path=customXml/item2.xml><?xml version="1.0" encoding="utf-8"?>
-<?mso-contentType ?>
-<FormTemplates xmlns="http://schemas.microsoft.com/sharepoint/v3/contenttype/forms">
-  <Display>DocumentLibraryForm</Display>
-  <Edit>DocumentLibraryForm</Edit>
-  <New>DocumentLibraryForm</New>
-</FormTemplates>
-</file>
-
 <file path=customXml/item3.xml><?xml version="1.0" encoding="utf-8"?>
 <p:properties xmlns:p="http://schemas.microsoft.com/office/2006/metadata/properties" xmlns:xsi="http://www.w3.org/2001/XMLSchema-instance" xmlns:pc="http://schemas.microsoft.com/office/infopath/2007/PartnerControls">
   <documentManagement>
@@ -11903,6 +11903,14 @@
 </file>
 
 <file path=customXml/itemProps1.xml><?xml version="1.0" encoding="utf-8"?>
+<ds:datastoreItem xmlns:ds="http://schemas.openxmlformats.org/officeDocument/2006/customXml" ds:itemID="{0F0CA528-080E-49BC-8559-0E3AC46C0A52}">
+  <ds:schemaRefs>
+    <ds:schemaRef ds:uri="http://schemas.microsoft.com/sharepoint/v3/contenttype/forms"/>
+  </ds:schemaRefs>
+</ds:datastoreItem>
+</file>
+
+<file path=customXml/itemProps2.xml><?xml version="1.0" encoding="utf-8"?>
 <ds:datastoreItem xmlns:ds="http://schemas.openxmlformats.org/officeDocument/2006/customXml" ds:itemID="{65832286-21E7-4186-BDE0-13E328A998BD}">
   <ds:schemaRefs>
     <ds:schemaRef ds:uri="http://schemas.microsoft.com/office/2006/metadata/contentType"/>
@@ -11917,14 +11925,6 @@
     <ds:schemaRef ds:uri="http://purl.org/dc/elements/1.1/"/>
     <ds:schemaRef ds:uri="http://purl.org/dc/terms/"/>
     <ds:schemaRef ds:uri="http://schemas.microsoft.com/internal/obd"/>
-  </ds:schemaRefs>
-</ds:datastoreItem>
-</file>
-
-<file path=customXml/itemProps2.xml><?xml version="1.0" encoding="utf-8"?>
-<ds:datastoreItem xmlns:ds="http://schemas.openxmlformats.org/officeDocument/2006/customXml" ds:itemID="{0F0CA528-080E-49BC-8559-0E3AC46C0A52}">
-  <ds:schemaRefs>
-    <ds:schemaRef ds:uri="http://schemas.microsoft.com/sharepoint/v3/contenttype/forms"/>
   </ds:schemaRefs>
 </ds:datastoreItem>
 </file>
